--- a/homeworks/project/poster-template.pptx
+++ b/homeworks/project/poster-template.pptx
@@ -2,12 +2,12 @@
 <file path=ppt/presentation.xml><?xml version="1.0" encoding="utf-8"?>
 <p:presentation xmlns:a="http://schemas.openxmlformats.org/drawingml/2006/main" xmlns:r="http://schemas.openxmlformats.org/officeDocument/2006/relationships" xmlns:p="http://schemas.openxmlformats.org/presentationml/2006/main" saveSubsetFonts="1">
   <p:sldMasterIdLst>
-    <p:sldMasterId id="2147483684" r:id="rId1"/>
+    <p:sldMasterId id="2147483696" r:id="rId1"/>
   </p:sldMasterIdLst>
   <p:sldIdLst>
     <p:sldId id="256" r:id="rId2"/>
   </p:sldIdLst>
-  <p:sldSz cx="32918400" cy="38404800"/>
+  <p:sldSz cx="20116800" cy="31089600"/>
   <p:notesSz cx="6858000" cy="9144000"/>
   <p:defaultTextStyle>
     <a:defPPr>
@@ -141,15 +141,15 @@
         </p:nvSpPr>
         <p:spPr>
           <a:xfrm>
-            <a:off x="2468880" y="6285233"/>
-            <a:ext cx="27980640" cy="13370560"/>
+            <a:off x="1508760" y="5088045"/>
+            <a:ext cx="17099280" cy="10823787"/>
           </a:xfrm>
         </p:spPr>
         <p:txBody>
           <a:bodyPr anchor="b"/>
           <a:lstStyle>
             <a:lvl1pPr algn="ctr">
-              <a:defRPr sz="21600"/>
+              <a:defRPr sz="13200"/>
             </a:lvl1pPr>
           </a:lstStyle>
           <a:p>
@@ -173,8 +173,8 @@
         </p:nvSpPr>
         <p:spPr>
           <a:xfrm>
-            <a:off x="4114800" y="20171413"/>
-            <a:ext cx="24688800" cy="9272267"/>
+            <a:off x="2514600" y="16329239"/>
+            <a:ext cx="15087600" cy="7506121"/>
           </a:xfrm>
         </p:spPr>
         <p:txBody>
@@ -182,39 +182,39 @@
           <a:lstStyle>
             <a:lvl1pPr marL="0" indent="0" algn="ctr">
               <a:buNone/>
-              <a:defRPr sz="8640"/>
+              <a:defRPr sz="5280"/>
             </a:lvl1pPr>
-            <a:lvl2pPr marL="1645920" indent="0" algn="ctr">
-              <a:buNone/>
-              <a:defRPr sz="7200"/>
+            <a:lvl2pPr marL="1005840" indent="0" algn="ctr">
+              <a:buNone/>
+              <a:defRPr sz="4400"/>
             </a:lvl2pPr>
-            <a:lvl3pPr marL="3291840" indent="0" algn="ctr">
-              <a:buNone/>
-              <a:defRPr sz="6480"/>
+            <a:lvl3pPr marL="2011680" indent="0" algn="ctr">
+              <a:buNone/>
+              <a:defRPr sz="3960"/>
             </a:lvl3pPr>
-            <a:lvl4pPr marL="4937760" indent="0" algn="ctr">
-              <a:buNone/>
-              <a:defRPr sz="5760"/>
+            <a:lvl4pPr marL="3017520" indent="0" algn="ctr">
+              <a:buNone/>
+              <a:defRPr sz="3520"/>
             </a:lvl4pPr>
-            <a:lvl5pPr marL="6583680" indent="0" algn="ctr">
-              <a:buNone/>
-              <a:defRPr sz="5760"/>
+            <a:lvl5pPr marL="4023360" indent="0" algn="ctr">
+              <a:buNone/>
+              <a:defRPr sz="3520"/>
             </a:lvl5pPr>
-            <a:lvl6pPr marL="8229600" indent="0" algn="ctr">
-              <a:buNone/>
-              <a:defRPr sz="5760"/>
+            <a:lvl6pPr marL="5029200" indent="0" algn="ctr">
+              <a:buNone/>
+              <a:defRPr sz="3520"/>
             </a:lvl6pPr>
-            <a:lvl7pPr marL="9875520" indent="0" algn="ctr">
-              <a:buNone/>
-              <a:defRPr sz="5760"/>
+            <a:lvl7pPr marL="6035040" indent="0" algn="ctr">
+              <a:buNone/>
+              <a:defRPr sz="3520"/>
             </a:lvl7pPr>
-            <a:lvl8pPr marL="11521440" indent="0" algn="ctr">
-              <a:buNone/>
-              <a:defRPr sz="5760"/>
+            <a:lvl8pPr marL="7040880" indent="0" algn="ctr">
+              <a:buNone/>
+              <a:defRPr sz="3520"/>
             </a:lvl8pPr>
-            <a:lvl9pPr marL="13167360" indent="0" algn="ctr">
-              <a:buNone/>
-              <a:defRPr sz="5760"/>
+            <a:lvl9pPr marL="8046720" indent="0" algn="ctr">
+              <a:buNone/>
+              <a:defRPr sz="3520"/>
             </a:lvl9pPr>
           </a:lstStyle>
           <a:p>
@@ -243,7 +243,7 @@
           <a:p>
             <a:fld id="{BEA761C5-5839-4D3D-A874-271BB1853741}" type="datetimeFigureOut">
               <a:rPr lang="en-US" smtClean="0"/>
-              <a:t>11/26/2024</a:t>
+              <a:t>12/2/2025</a:t>
             </a:fld>
             <a:endParaRPr lang="en-US"/>
           </a:p>
@@ -294,7 +294,7 @@
     </p:spTree>
     <p:extLst>
       <p:ext uri="{BB962C8B-B14F-4D97-AF65-F5344CB8AC3E}">
-        <p14:creationId xmlns:p14="http://schemas.microsoft.com/office/powerpoint/2010/main" val="3500105200"/>
+        <p14:creationId xmlns:p14="http://schemas.microsoft.com/office/powerpoint/2010/main" val="3282852468"/>
       </p:ext>
     </p:extLst>
   </p:cSld>
@@ -413,7 +413,7 @@
           <a:p>
             <a:fld id="{BEA761C5-5839-4D3D-A874-271BB1853741}" type="datetimeFigureOut">
               <a:rPr lang="en-US" smtClean="0"/>
-              <a:t>11/26/2024</a:t>
+              <a:t>12/2/2025</a:t>
             </a:fld>
             <a:endParaRPr lang="en-US"/>
           </a:p>
@@ -464,7 +464,7 @@
     </p:spTree>
     <p:extLst>
       <p:ext uri="{BB962C8B-B14F-4D97-AF65-F5344CB8AC3E}">
-        <p14:creationId xmlns:p14="http://schemas.microsoft.com/office/powerpoint/2010/main" val="3821187731"/>
+        <p14:creationId xmlns:p14="http://schemas.microsoft.com/office/powerpoint/2010/main" val="1265217118"/>
       </p:ext>
     </p:extLst>
   </p:cSld>
@@ -503,8 +503,8 @@
         </p:nvSpPr>
         <p:spPr>
           <a:xfrm>
-            <a:off x="23557232" y="2044700"/>
-            <a:ext cx="7098030" cy="32546293"/>
+            <a:off x="14396086" y="1655233"/>
+            <a:ext cx="4337685" cy="26346999"/>
           </a:xfrm>
         </p:spPr>
         <p:txBody>
@@ -531,8 +531,8 @@
         </p:nvSpPr>
         <p:spPr>
           <a:xfrm>
-            <a:off x="2263142" y="2044700"/>
-            <a:ext cx="20882610" cy="32546293"/>
+            <a:off x="1383031" y="1655233"/>
+            <a:ext cx="12761595" cy="26346999"/>
           </a:xfrm>
         </p:spPr>
         <p:txBody>
@@ -593,7 +593,7 @@
           <a:p>
             <a:fld id="{BEA761C5-5839-4D3D-A874-271BB1853741}" type="datetimeFigureOut">
               <a:rPr lang="en-US" smtClean="0"/>
-              <a:t>11/26/2024</a:t>
+              <a:t>12/2/2025</a:t>
             </a:fld>
             <a:endParaRPr lang="en-US"/>
           </a:p>
@@ -644,7 +644,7 @@
     </p:spTree>
     <p:extLst>
       <p:ext uri="{BB962C8B-B14F-4D97-AF65-F5344CB8AC3E}">
-        <p14:creationId xmlns:p14="http://schemas.microsoft.com/office/powerpoint/2010/main" val="357778277"/>
+        <p14:creationId xmlns:p14="http://schemas.microsoft.com/office/powerpoint/2010/main" val="3013062259"/>
       </p:ext>
     </p:extLst>
   </p:cSld>
@@ -763,7 +763,7 @@
           <a:p>
             <a:fld id="{BEA761C5-5839-4D3D-A874-271BB1853741}" type="datetimeFigureOut">
               <a:rPr lang="en-US" smtClean="0"/>
-              <a:t>11/26/2024</a:t>
+              <a:t>12/2/2025</a:t>
             </a:fld>
             <a:endParaRPr lang="en-US"/>
           </a:p>
@@ -814,7 +814,7 @@
     </p:spTree>
     <p:extLst>
       <p:ext uri="{BB962C8B-B14F-4D97-AF65-F5344CB8AC3E}">
-        <p14:creationId xmlns:p14="http://schemas.microsoft.com/office/powerpoint/2010/main" val="4028898296"/>
+        <p14:creationId xmlns:p14="http://schemas.microsoft.com/office/powerpoint/2010/main" val="1645806281"/>
       </p:ext>
     </p:extLst>
   </p:cSld>
@@ -853,15 +853,15 @@
         </p:nvSpPr>
         <p:spPr>
           <a:xfrm>
-            <a:off x="2245997" y="9574541"/>
-            <a:ext cx="28392120" cy="15975327"/>
+            <a:off x="1372554" y="7750819"/>
+            <a:ext cx="17350740" cy="12932408"/>
           </a:xfrm>
         </p:spPr>
         <p:txBody>
           <a:bodyPr anchor="b"/>
           <a:lstStyle>
             <a:lvl1pPr>
-              <a:defRPr sz="21600"/>
+              <a:defRPr sz="13200"/>
             </a:lvl1pPr>
           </a:lstStyle>
           <a:p>
@@ -885,8 +885,8 @@
         </p:nvSpPr>
         <p:spPr>
           <a:xfrm>
-            <a:off x="2245997" y="25701001"/>
-            <a:ext cx="28392120" cy="8401047"/>
+            <a:off x="1372554" y="20805572"/>
+            <a:ext cx="17350740" cy="6800848"/>
           </a:xfrm>
         </p:spPr>
         <p:txBody>
@@ -894,15 +894,15 @@
           <a:lstStyle>
             <a:lvl1pPr marL="0" indent="0">
               <a:buNone/>
-              <a:defRPr sz="8640">
+              <a:defRPr sz="5280">
                 <a:solidFill>
                   <a:schemeClr val="tx1"/>
                 </a:solidFill>
               </a:defRPr>
             </a:lvl1pPr>
-            <a:lvl2pPr marL="1645920" indent="0">
-              <a:buNone/>
-              <a:defRPr sz="7200">
+            <a:lvl2pPr marL="1005840" indent="0">
+              <a:buNone/>
+              <a:defRPr sz="4400">
                 <a:solidFill>
                   <a:schemeClr val="tx1">
                     <a:tint val="75000"/>
@@ -910,9 +910,9 @@
                 </a:solidFill>
               </a:defRPr>
             </a:lvl2pPr>
-            <a:lvl3pPr marL="3291840" indent="0">
-              <a:buNone/>
-              <a:defRPr sz="6480">
+            <a:lvl3pPr marL="2011680" indent="0">
+              <a:buNone/>
+              <a:defRPr sz="3960">
                 <a:solidFill>
                   <a:schemeClr val="tx1">
                     <a:tint val="75000"/>
@@ -920,9 +920,9 @@
                 </a:solidFill>
               </a:defRPr>
             </a:lvl3pPr>
-            <a:lvl4pPr marL="4937760" indent="0">
-              <a:buNone/>
-              <a:defRPr sz="5760">
+            <a:lvl4pPr marL="3017520" indent="0">
+              <a:buNone/>
+              <a:defRPr sz="3520">
                 <a:solidFill>
                   <a:schemeClr val="tx1">
                     <a:tint val="75000"/>
@@ -930,9 +930,9 @@
                 </a:solidFill>
               </a:defRPr>
             </a:lvl4pPr>
-            <a:lvl5pPr marL="6583680" indent="0">
-              <a:buNone/>
-              <a:defRPr sz="5760">
+            <a:lvl5pPr marL="4023360" indent="0">
+              <a:buNone/>
+              <a:defRPr sz="3520">
                 <a:solidFill>
                   <a:schemeClr val="tx1">
                     <a:tint val="75000"/>
@@ -940,9 +940,9 @@
                 </a:solidFill>
               </a:defRPr>
             </a:lvl5pPr>
-            <a:lvl6pPr marL="8229600" indent="0">
-              <a:buNone/>
-              <a:defRPr sz="5760">
+            <a:lvl6pPr marL="5029200" indent="0">
+              <a:buNone/>
+              <a:defRPr sz="3520">
                 <a:solidFill>
                   <a:schemeClr val="tx1">
                     <a:tint val="75000"/>
@@ -950,9 +950,9 @@
                 </a:solidFill>
               </a:defRPr>
             </a:lvl6pPr>
-            <a:lvl7pPr marL="9875520" indent="0">
-              <a:buNone/>
-              <a:defRPr sz="5760">
+            <a:lvl7pPr marL="6035040" indent="0">
+              <a:buNone/>
+              <a:defRPr sz="3520">
                 <a:solidFill>
                   <a:schemeClr val="tx1">
                     <a:tint val="75000"/>
@@ -960,9 +960,9 @@
                 </a:solidFill>
               </a:defRPr>
             </a:lvl7pPr>
-            <a:lvl8pPr marL="11521440" indent="0">
-              <a:buNone/>
-              <a:defRPr sz="5760">
+            <a:lvl8pPr marL="7040880" indent="0">
+              <a:buNone/>
+              <a:defRPr sz="3520">
                 <a:solidFill>
                   <a:schemeClr val="tx1">
                     <a:tint val="75000"/>
@@ -970,9 +970,9 @@
                 </a:solidFill>
               </a:defRPr>
             </a:lvl8pPr>
-            <a:lvl9pPr marL="13167360" indent="0">
-              <a:buNone/>
-              <a:defRPr sz="5760">
+            <a:lvl9pPr marL="8046720" indent="0">
+              <a:buNone/>
+              <a:defRPr sz="3520">
                 <a:solidFill>
                   <a:schemeClr val="tx1">
                     <a:tint val="75000"/>
@@ -1007,7 +1007,7 @@
           <a:p>
             <a:fld id="{BEA761C5-5839-4D3D-A874-271BB1853741}" type="datetimeFigureOut">
               <a:rPr lang="en-US" smtClean="0"/>
-              <a:t>11/26/2024</a:t>
+              <a:t>12/2/2025</a:t>
             </a:fld>
             <a:endParaRPr lang="en-US"/>
           </a:p>
@@ -1058,7 +1058,7 @@
     </p:spTree>
     <p:extLst>
       <p:ext uri="{BB962C8B-B14F-4D97-AF65-F5344CB8AC3E}">
-        <p14:creationId xmlns:p14="http://schemas.microsoft.com/office/powerpoint/2010/main" val="4011940952"/>
+        <p14:creationId xmlns:p14="http://schemas.microsoft.com/office/powerpoint/2010/main" val="1318946784"/>
       </p:ext>
     </p:extLst>
   </p:cSld>
@@ -1120,8 +1120,8 @@
         </p:nvSpPr>
         <p:spPr>
           <a:xfrm>
-            <a:off x="2263140" y="10223500"/>
-            <a:ext cx="13990320" cy="24367493"/>
+            <a:off x="1383030" y="8276166"/>
+            <a:ext cx="8549640" cy="19726066"/>
           </a:xfrm>
         </p:spPr>
         <p:txBody>
@@ -1177,8 +1177,8 @@
         </p:nvSpPr>
         <p:spPr>
           <a:xfrm>
-            <a:off x="16664940" y="10223500"/>
-            <a:ext cx="13990320" cy="24367493"/>
+            <a:off x="10184130" y="8276166"/>
+            <a:ext cx="8549640" cy="19726066"/>
           </a:xfrm>
         </p:spPr>
         <p:txBody>
@@ -1239,7 +1239,7 @@
           <a:p>
             <a:fld id="{BEA761C5-5839-4D3D-A874-271BB1853741}" type="datetimeFigureOut">
               <a:rPr lang="en-US" smtClean="0"/>
-              <a:t>11/26/2024</a:t>
+              <a:t>12/2/2025</a:t>
             </a:fld>
             <a:endParaRPr lang="en-US"/>
           </a:p>
@@ -1290,7 +1290,7 @@
     </p:spTree>
     <p:extLst>
       <p:ext uri="{BB962C8B-B14F-4D97-AF65-F5344CB8AC3E}">
-        <p14:creationId xmlns:p14="http://schemas.microsoft.com/office/powerpoint/2010/main" val="3947467712"/>
+        <p14:creationId xmlns:p14="http://schemas.microsoft.com/office/powerpoint/2010/main" val="447712904"/>
       </p:ext>
     </p:extLst>
   </p:cSld>
@@ -1329,8 +1329,8 @@
         </p:nvSpPr>
         <p:spPr>
           <a:xfrm>
-            <a:off x="2267428" y="2044708"/>
-            <a:ext cx="28392120" cy="7423153"/>
+            <a:off x="1385650" y="1655240"/>
+            <a:ext cx="17350740" cy="6009219"/>
           </a:xfrm>
         </p:spPr>
         <p:txBody>
@@ -1357,8 +1357,8 @@
         </p:nvSpPr>
         <p:spPr>
           <a:xfrm>
-            <a:off x="2267431" y="9414513"/>
-            <a:ext cx="13926024" cy="4613907"/>
+            <a:off x="1385652" y="7621272"/>
+            <a:ext cx="8510348" cy="3735068"/>
           </a:xfrm>
         </p:spPr>
         <p:txBody>
@@ -1366,39 +1366,39 @@
           <a:lstStyle>
             <a:lvl1pPr marL="0" indent="0">
               <a:buNone/>
-              <a:defRPr sz="8640" b="1"/>
+              <a:defRPr sz="5280" b="1"/>
             </a:lvl1pPr>
-            <a:lvl2pPr marL="1645920" indent="0">
-              <a:buNone/>
-              <a:defRPr sz="7200" b="1"/>
+            <a:lvl2pPr marL="1005840" indent="0">
+              <a:buNone/>
+              <a:defRPr sz="4400" b="1"/>
             </a:lvl2pPr>
-            <a:lvl3pPr marL="3291840" indent="0">
-              <a:buNone/>
-              <a:defRPr sz="6480" b="1"/>
+            <a:lvl3pPr marL="2011680" indent="0">
+              <a:buNone/>
+              <a:defRPr sz="3960" b="1"/>
             </a:lvl3pPr>
-            <a:lvl4pPr marL="4937760" indent="0">
-              <a:buNone/>
-              <a:defRPr sz="5760" b="1"/>
+            <a:lvl4pPr marL="3017520" indent="0">
+              <a:buNone/>
+              <a:defRPr sz="3520" b="1"/>
             </a:lvl4pPr>
-            <a:lvl5pPr marL="6583680" indent="0">
-              <a:buNone/>
-              <a:defRPr sz="5760" b="1"/>
+            <a:lvl5pPr marL="4023360" indent="0">
+              <a:buNone/>
+              <a:defRPr sz="3520" b="1"/>
             </a:lvl5pPr>
-            <a:lvl6pPr marL="8229600" indent="0">
-              <a:buNone/>
-              <a:defRPr sz="5760" b="1"/>
+            <a:lvl6pPr marL="5029200" indent="0">
+              <a:buNone/>
+              <a:defRPr sz="3520" b="1"/>
             </a:lvl6pPr>
-            <a:lvl7pPr marL="9875520" indent="0">
-              <a:buNone/>
-              <a:defRPr sz="5760" b="1"/>
+            <a:lvl7pPr marL="6035040" indent="0">
+              <a:buNone/>
+              <a:defRPr sz="3520" b="1"/>
             </a:lvl7pPr>
-            <a:lvl8pPr marL="11521440" indent="0">
-              <a:buNone/>
-              <a:defRPr sz="5760" b="1"/>
+            <a:lvl8pPr marL="7040880" indent="0">
+              <a:buNone/>
+              <a:defRPr sz="3520" b="1"/>
             </a:lvl8pPr>
-            <a:lvl9pPr marL="13167360" indent="0">
-              <a:buNone/>
-              <a:defRPr sz="5760" b="1"/>
+            <a:lvl9pPr marL="8046720" indent="0">
+              <a:buNone/>
+              <a:defRPr sz="3520" b="1"/>
             </a:lvl9pPr>
           </a:lstStyle>
           <a:p>
@@ -1422,8 +1422,8 @@
         </p:nvSpPr>
         <p:spPr>
           <a:xfrm>
-            <a:off x="2267431" y="14028420"/>
-            <a:ext cx="13926024" cy="20633693"/>
+            <a:off x="1385652" y="11356340"/>
+            <a:ext cx="8510348" cy="16703466"/>
           </a:xfrm>
         </p:spPr>
         <p:txBody>
@@ -1479,8 +1479,8 @@
         </p:nvSpPr>
         <p:spPr>
           <a:xfrm>
-            <a:off x="16664942" y="9414513"/>
-            <a:ext cx="13994608" cy="4613907"/>
+            <a:off x="10184131" y="7621272"/>
+            <a:ext cx="8552260" cy="3735068"/>
           </a:xfrm>
         </p:spPr>
         <p:txBody>
@@ -1488,39 +1488,39 @@
           <a:lstStyle>
             <a:lvl1pPr marL="0" indent="0">
               <a:buNone/>
-              <a:defRPr sz="8640" b="1"/>
+              <a:defRPr sz="5280" b="1"/>
             </a:lvl1pPr>
-            <a:lvl2pPr marL="1645920" indent="0">
-              <a:buNone/>
-              <a:defRPr sz="7200" b="1"/>
+            <a:lvl2pPr marL="1005840" indent="0">
+              <a:buNone/>
+              <a:defRPr sz="4400" b="1"/>
             </a:lvl2pPr>
-            <a:lvl3pPr marL="3291840" indent="0">
-              <a:buNone/>
-              <a:defRPr sz="6480" b="1"/>
+            <a:lvl3pPr marL="2011680" indent="0">
+              <a:buNone/>
+              <a:defRPr sz="3960" b="1"/>
             </a:lvl3pPr>
-            <a:lvl4pPr marL="4937760" indent="0">
-              <a:buNone/>
-              <a:defRPr sz="5760" b="1"/>
+            <a:lvl4pPr marL="3017520" indent="0">
+              <a:buNone/>
+              <a:defRPr sz="3520" b="1"/>
             </a:lvl4pPr>
-            <a:lvl5pPr marL="6583680" indent="0">
-              <a:buNone/>
-              <a:defRPr sz="5760" b="1"/>
+            <a:lvl5pPr marL="4023360" indent="0">
+              <a:buNone/>
+              <a:defRPr sz="3520" b="1"/>
             </a:lvl5pPr>
-            <a:lvl6pPr marL="8229600" indent="0">
-              <a:buNone/>
-              <a:defRPr sz="5760" b="1"/>
+            <a:lvl6pPr marL="5029200" indent="0">
+              <a:buNone/>
+              <a:defRPr sz="3520" b="1"/>
             </a:lvl6pPr>
-            <a:lvl7pPr marL="9875520" indent="0">
-              <a:buNone/>
-              <a:defRPr sz="5760" b="1"/>
+            <a:lvl7pPr marL="6035040" indent="0">
+              <a:buNone/>
+              <a:defRPr sz="3520" b="1"/>
             </a:lvl7pPr>
-            <a:lvl8pPr marL="11521440" indent="0">
-              <a:buNone/>
-              <a:defRPr sz="5760" b="1"/>
+            <a:lvl8pPr marL="7040880" indent="0">
+              <a:buNone/>
+              <a:defRPr sz="3520" b="1"/>
             </a:lvl8pPr>
-            <a:lvl9pPr marL="13167360" indent="0">
-              <a:buNone/>
-              <a:defRPr sz="5760" b="1"/>
+            <a:lvl9pPr marL="8046720" indent="0">
+              <a:buNone/>
+              <a:defRPr sz="3520" b="1"/>
             </a:lvl9pPr>
           </a:lstStyle>
           <a:p>
@@ -1544,8 +1544,8 @@
         </p:nvSpPr>
         <p:spPr>
           <a:xfrm>
-            <a:off x="16664942" y="14028420"/>
-            <a:ext cx="13994608" cy="20633693"/>
+            <a:off x="10184131" y="11356340"/>
+            <a:ext cx="8552260" cy="16703466"/>
           </a:xfrm>
         </p:spPr>
         <p:txBody>
@@ -1606,7 +1606,7 @@
           <a:p>
             <a:fld id="{BEA761C5-5839-4D3D-A874-271BB1853741}" type="datetimeFigureOut">
               <a:rPr lang="en-US" smtClean="0"/>
-              <a:t>11/26/2024</a:t>
+              <a:t>12/2/2025</a:t>
             </a:fld>
             <a:endParaRPr lang="en-US"/>
           </a:p>
@@ -1657,7 +1657,7 @@
     </p:spTree>
     <p:extLst>
       <p:ext uri="{BB962C8B-B14F-4D97-AF65-F5344CB8AC3E}">
-        <p14:creationId xmlns:p14="http://schemas.microsoft.com/office/powerpoint/2010/main" val="1947039181"/>
+        <p14:creationId xmlns:p14="http://schemas.microsoft.com/office/powerpoint/2010/main" val="3389332845"/>
       </p:ext>
     </p:extLst>
   </p:cSld>
@@ -1724,7 +1724,7 @@
           <a:p>
             <a:fld id="{BEA761C5-5839-4D3D-A874-271BB1853741}" type="datetimeFigureOut">
               <a:rPr lang="en-US" smtClean="0"/>
-              <a:t>11/26/2024</a:t>
+              <a:t>12/2/2025</a:t>
             </a:fld>
             <a:endParaRPr lang="en-US"/>
           </a:p>
@@ -1775,7 +1775,7 @@
     </p:spTree>
     <p:extLst>
       <p:ext uri="{BB962C8B-B14F-4D97-AF65-F5344CB8AC3E}">
-        <p14:creationId xmlns:p14="http://schemas.microsoft.com/office/powerpoint/2010/main" val="3007104492"/>
+        <p14:creationId xmlns:p14="http://schemas.microsoft.com/office/powerpoint/2010/main" val="550533587"/>
       </p:ext>
     </p:extLst>
   </p:cSld>
@@ -1819,7 +1819,7 @@
           <a:p>
             <a:fld id="{BEA761C5-5839-4D3D-A874-271BB1853741}" type="datetimeFigureOut">
               <a:rPr lang="en-US" smtClean="0"/>
-              <a:t>11/26/2024</a:t>
+              <a:t>12/2/2025</a:t>
             </a:fld>
             <a:endParaRPr lang="en-US"/>
           </a:p>
@@ -1870,7 +1870,7 @@
     </p:spTree>
     <p:extLst>
       <p:ext uri="{BB962C8B-B14F-4D97-AF65-F5344CB8AC3E}">
-        <p14:creationId xmlns:p14="http://schemas.microsoft.com/office/powerpoint/2010/main" val="2384726580"/>
+        <p14:creationId xmlns:p14="http://schemas.microsoft.com/office/powerpoint/2010/main" val="1827614683"/>
       </p:ext>
     </p:extLst>
   </p:cSld>
@@ -1909,15 +1909,15 @@
         </p:nvSpPr>
         <p:spPr>
           <a:xfrm>
-            <a:off x="2267428" y="2560320"/>
-            <a:ext cx="10617041" cy="8961120"/>
+            <a:off x="1385650" y="2072640"/>
+            <a:ext cx="6488192" cy="7254240"/>
           </a:xfrm>
         </p:spPr>
         <p:txBody>
           <a:bodyPr anchor="b"/>
           <a:lstStyle>
             <a:lvl1pPr>
-              <a:defRPr sz="11520"/>
+              <a:defRPr sz="7040"/>
             </a:lvl1pPr>
           </a:lstStyle>
           <a:p>
@@ -1941,39 +1941,39 @@
         </p:nvSpPr>
         <p:spPr>
           <a:xfrm>
-            <a:off x="13994608" y="5529588"/>
-            <a:ext cx="16664940" cy="27292300"/>
+            <a:off x="8552260" y="4476333"/>
+            <a:ext cx="10184130" cy="22093767"/>
           </a:xfrm>
         </p:spPr>
         <p:txBody>
           <a:bodyPr/>
           <a:lstStyle>
             <a:lvl1pPr>
-              <a:defRPr sz="11520"/>
+              <a:defRPr sz="7040"/>
             </a:lvl1pPr>
             <a:lvl2pPr>
-              <a:defRPr sz="10080"/>
+              <a:defRPr sz="6160"/>
             </a:lvl2pPr>
             <a:lvl3pPr>
-              <a:defRPr sz="8640"/>
+              <a:defRPr sz="5280"/>
             </a:lvl3pPr>
             <a:lvl4pPr>
-              <a:defRPr sz="7200"/>
+              <a:defRPr sz="4400"/>
             </a:lvl4pPr>
             <a:lvl5pPr>
-              <a:defRPr sz="7200"/>
+              <a:defRPr sz="4400"/>
             </a:lvl5pPr>
             <a:lvl6pPr>
-              <a:defRPr sz="7200"/>
+              <a:defRPr sz="4400"/>
             </a:lvl6pPr>
             <a:lvl7pPr>
-              <a:defRPr sz="7200"/>
+              <a:defRPr sz="4400"/>
             </a:lvl7pPr>
             <a:lvl8pPr>
-              <a:defRPr sz="7200"/>
+              <a:defRPr sz="4400"/>
             </a:lvl8pPr>
             <a:lvl9pPr>
-              <a:defRPr sz="7200"/>
+              <a:defRPr sz="4400"/>
             </a:lvl9pPr>
           </a:lstStyle>
           <a:p>
@@ -2026,8 +2026,8 @@
         </p:nvSpPr>
         <p:spPr>
           <a:xfrm>
-            <a:off x="2267428" y="11521440"/>
-            <a:ext cx="10617041" cy="21344893"/>
+            <a:off x="1385650" y="9326880"/>
+            <a:ext cx="6488192" cy="17279199"/>
           </a:xfrm>
         </p:spPr>
         <p:txBody>
@@ -2035,39 +2035,39 @@
           <a:lstStyle>
             <a:lvl1pPr marL="0" indent="0">
               <a:buNone/>
-              <a:defRPr sz="5760"/>
+              <a:defRPr sz="3520"/>
             </a:lvl1pPr>
-            <a:lvl2pPr marL="1645920" indent="0">
-              <a:buNone/>
-              <a:defRPr sz="5040"/>
+            <a:lvl2pPr marL="1005840" indent="0">
+              <a:buNone/>
+              <a:defRPr sz="3080"/>
             </a:lvl2pPr>
-            <a:lvl3pPr marL="3291840" indent="0">
-              <a:buNone/>
-              <a:defRPr sz="4320"/>
+            <a:lvl3pPr marL="2011680" indent="0">
+              <a:buNone/>
+              <a:defRPr sz="2640"/>
             </a:lvl3pPr>
-            <a:lvl4pPr marL="4937760" indent="0">
-              <a:buNone/>
-              <a:defRPr sz="3600"/>
+            <a:lvl4pPr marL="3017520" indent="0">
+              <a:buNone/>
+              <a:defRPr sz="2200"/>
             </a:lvl4pPr>
-            <a:lvl5pPr marL="6583680" indent="0">
-              <a:buNone/>
-              <a:defRPr sz="3600"/>
+            <a:lvl5pPr marL="4023360" indent="0">
+              <a:buNone/>
+              <a:defRPr sz="2200"/>
             </a:lvl5pPr>
-            <a:lvl6pPr marL="8229600" indent="0">
-              <a:buNone/>
-              <a:defRPr sz="3600"/>
+            <a:lvl6pPr marL="5029200" indent="0">
+              <a:buNone/>
+              <a:defRPr sz="2200"/>
             </a:lvl6pPr>
-            <a:lvl7pPr marL="9875520" indent="0">
-              <a:buNone/>
-              <a:defRPr sz="3600"/>
+            <a:lvl7pPr marL="6035040" indent="0">
+              <a:buNone/>
+              <a:defRPr sz="2200"/>
             </a:lvl7pPr>
-            <a:lvl8pPr marL="11521440" indent="0">
-              <a:buNone/>
-              <a:defRPr sz="3600"/>
+            <a:lvl8pPr marL="7040880" indent="0">
+              <a:buNone/>
+              <a:defRPr sz="2200"/>
             </a:lvl8pPr>
-            <a:lvl9pPr marL="13167360" indent="0">
-              <a:buNone/>
-              <a:defRPr sz="3600"/>
+            <a:lvl9pPr marL="8046720" indent="0">
+              <a:buNone/>
+              <a:defRPr sz="2200"/>
             </a:lvl9pPr>
           </a:lstStyle>
           <a:p>
@@ -2096,7 +2096,7 @@
           <a:p>
             <a:fld id="{BEA761C5-5839-4D3D-A874-271BB1853741}" type="datetimeFigureOut">
               <a:rPr lang="en-US" smtClean="0"/>
-              <a:t>11/26/2024</a:t>
+              <a:t>12/2/2025</a:t>
             </a:fld>
             <a:endParaRPr lang="en-US"/>
           </a:p>
@@ -2147,7 +2147,7 @@
     </p:spTree>
     <p:extLst>
       <p:ext uri="{BB962C8B-B14F-4D97-AF65-F5344CB8AC3E}">
-        <p14:creationId xmlns:p14="http://schemas.microsoft.com/office/powerpoint/2010/main" val="3609816296"/>
+        <p14:creationId xmlns:p14="http://schemas.microsoft.com/office/powerpoint/2010/main" val="324227310"/>
       </p:ext>
     </p:extLst>
   </p:cSld>
@@ -2186,15 +2186,15 @@
         </p:nvSpPr>
         <p:spPr>
           <a:xfrm>
-            <a:off x="2267428" y="2560320"/>
-            <a:ext cx="10617041" cy="8961120"/>
+            <a:off x="1385650" y="2072640"/>
+            <a:ext cx="6488192" cy="7254240"/>
           </a:xfrm>
         </p:spPr>
         <p:txBody>
           <a:bodyPr anchor="b"/>
           <a:lstStyle>
             <a:lvl1pPr>
-              <a:defRPr sz="11520"/>
+              <a:defRPr sz="7040"/>
             </a:lvl1pPr>
           </a:lstStyle>
           <a:p>
@@ -2218,8 +2218,8 @@
         </p:nvSpPr>
         <p:spPr>
           <a:xfrm>
-            <a:off x="13994608" y="5529588"/>
-            <a:ext cx="16664940" cy="27292300"/>
+            <a:off x="8552260" y="4476333"/>
+            <a:ext cx="10184130" cy="22093767"/>
           </a:xfrm>
         </p:spPr>
         <p:txBody>
@@ -2227,39 +2227,39 @@
           <a:lstStyle>
             <a:lvl1pPr marL="0" indent="0">
               <a:buNone/>
-              <a:defRPr sz="11520"/>
+              <a:defRPr sz="7040"/>
             </a:lvl1pPr>
-            <a:lvl2pPr marL="1645920" indent="0">
-              <a:buNone/>
-              <a:defRPr sz="10080"/>
+            <a:lvl2pPr marL="1005840" indent="0">
+              <a:buNone/>
+              <a:defRPr sz="6160"/>
             </a:lvl2pPr>
-            <a:lvl3pPr marL="3291840" indent="0">
-              <a:buNone/>
-              <a:defRPr sz="8640"/>
+            <a:lvl3pPr marL="2011680" indent="0">
+              <a:buNone/>
+              <a:defRPr sz="5280"/>
             </a:lvl3pPr>
-            <a:lvl4pPr marL="4937760" indent="0">
-              <a:buNone/>
-              <a:defRPr sz="7200"/>
+            <a:lvl4pPr marL="3017520" indent="0">
+              <a:buNone/>
+              <a:defRPr sz="4400"/>
             </a:lvl4pPr>
-            <a:lvl5pPr marL="6583680" indent="0">
-              <a:buNone/>
-              <a:defRPr sz="7200"/>
+            <a:lvl5pPr marL="4023360" indent="0">
+              <a:buNone/>
+              <a:defRPr sz="4400"/>
             </a:lvl5pPr>
-            <a:lvl6pPr marL="8229600" indent="0">
-              <a:buNone/>
-              <a:defRPr sz="7200"/>
+            <a:lvl6pPr marL="5029200" indent="0">
+              <a:buNone/>
+              <a:defRPr sz="4400"/>
             </a:lvl6pPr>
-            <a:lvl7pPr marL="9875520" indent="0">
-              <a:buNone/>
-              <a:defRPr sz="7200"/>
+            <a:lvl7pPr marL="6035040" indent="0">
+              <a:buNone/>
+              <a:defRPr sz="4400"/>
             </a:lvl7pPr>
-            <a:lvl8pPr marL="11521440" indent="0">
-              <a:buNone/>
-              <a:defRPr sz="7200"/>
+            <a:lvl8pPr marL="7040880" indent="0">
+              <a:buNone/>
+              <a:defRPr sz="4400"/>
             </a:lvl8pPr>
-            <a:lvl9pPr marL="13167360" indent="0">
-              <a:buNone/>
-              <a:defRPr sz="7200"/>
+            <a:lvl9pPr marL="8046720" indent="0">
+              <a:buNone/>
+              <a:defRPr sz="4400"/>
             </a:lvl9pPr>
           </a:lstStyle>
           <a:p>
@@ -2283,8 +2283,8 @@
         </p:nvSpPr>
         <p:spPr>
           <a:xfrm>
-            <a:off x="2267428" y="11521440"/>
-            <a:ext cx="10617041" cy="21344893"/>
+            <a:off x="1385650" y="9326880"/>
+            <a:ext cx="6488192" cy="17279199"/>
           </a:xfrm>
         </p:spPr>
         <p:txBody>
@@ -2292,39 +2292,39 @@
           <a:lstStyle>
             <a:lvl1pPr marL="0" indent="0">
               <a:buNone/>
-              <a:defRPr sz="5760"/>
+              <a:defRPr sz="3520"/>
             </a:lvl1pPr>
-            <a:lvl2pPr marL="1645920" indent="0">
-              <a:buNone/>
-              <a:defRPr sz="5040"/>
+            <a:lvl2pPr marL="1005840" indent="0">
+              <a:buNone/>
+              <a:defRPr sz="3080"/>
             </a:lvl2pPr>
-            <a:lvl3pPr marL="3291840" indent="0">
-              <a:buNone/>
-              <a:defRPr sz="4320"/>
+            <a:lvl3pPr marL="2011680" indent="0">
+              <a:buNone/>
+              <a:defRPr sz="2640"/>
             </a:lvl3pPr>
-            <a:lvl4pPr marL="4937760" indent="0">
-              <a:buNone/>
-              <a:defRPr sz="3600"/>
+            <a:lvl4pPr marL="3017520" indent="0">
+              <a:buNone/>
+              <a:defRPr sz="2200"/>
             </a:lvl4pPr>
-            <a:lvl5pPr marL="6583680" indent="0">
-              <a:buNone/>
-              <a:defRPr sz="3600"/>
+            <a:lvl5pPr marL="4023360" indent="0">
+              <a:buNone/>
+              <a:defRPr sz="2200"/>
             </a:lvl5pPr>
-            <a:lvl6pPr marL="8229600" indent="0">
-              <a:buNone/>
-              <a:defRPr sz="3600"/>
+            <a:lvl6pPr marL="5029200" indent="0">
+              <a:buNone/>
+              <a:defRPr sz="2200"/>
             </a:lvl6pPr>
-            <a:lvl7pPr marL="9875520" indent="0">
-              <a:buNone/>
-              <a:defRPr sz="3600"/>
+            <a:lvl7pPr marL="6035040" indent="0">
+              <a:buNone/>
+              <a:defRPr sz="2200"/>
             </a:lvl7pPr>
-            <a:lvl8pPr marL="11521440" indent="0">
-              <a:buNone/>
-              <a:defRPr sz="3600"/>
+            <a:lvl8pPr marL="7040880" indent="0">
+              <a:buNone/>
+              <a:defRPr sz="2200"/>
             </a:lvl8pPr>
-            <a:lvl9pPr marL="13167360" indent="0">
-              <a:buNone/>
-              <a:defRPr sz="3600"/>
+            <a:lvl9pPr marL="8046720" indent="0">
+              <a:buNone/>
+              <a:defRPr sz="2200"/>
             </a:lvl9pPr>
           </a:lstStyle>
           <a:p>
@@ -2353,7 +2353,7 @@
           <a:p>
             <a:fld id="{BEA761C5-5839-4D3D-A874-271BB1853741}" type="datetimeFigureOut">
               <a:rPr lang="en-US" smtClean="0"/>
-              <a:t>11/26/2024</a:t>
+              <a:t>12/2/2025</a:t>
             </a:fld>
             <a:endParaRPr lang="en-US"/>
           </a:p>
@@ -2404,7 +2404,7 @@
     </p:spTree>
     <p:extLst>
       <p:ext uri="{BB962C8B-B14F-4D97-AF65-F5344CB8AC3E}">
-        <p14:creationId xmlns:p14="http://schemas.microsoft.com/office/powerpoint/2010/main" val="2699519533"/>
+        <p14:creationId xmlns:p14="http://schemas.microsoft.com/office/powerpoint/2010/main" val="2419481645"/>
       </p:ext>
     </p:extLst>
   </p:cSld>
@@ -2448,8 +2448,8 @@
         </p:nvSpPr>
         <p:spPr>
           <a:xfrm>
-            <a:off x="2263140" y="2044708"/>
-            <a:ext cx="28392120" cy="7423153"/>
+            <a:off x="1383030" y="1655240"/>
+            <a:ext cx="17350740" cy="6009219"/>
           </a:xfrm>
           <a:prstGeom prst="rect">
             <a:avLst/>
@@ -2481,8 +2481,8 @@
         </p:nvSpPr>
         <p:spPr>
           <a:xfrm>
-            <a:off x="2263140" y="10223500"/>
-            <a:ext cx="28392120" cy="24367493"/>
+            <a:off x="1383030" y="8276166"/>
+            <a:ext cx="17350740" cy="19726066"/>
           </a:xfrm>
           <a:prstGeom prst="rect">
             <a:avLst/>
@@ -2543,8 +2543,8 @@
         </p:nvSpPr>
         <p:spPr>
           <a:xfrm>
-            <a:off x="2263140" y="35595568"/>
-            <a:ext cx="7406640" cy="2044700"/>
+            <a:off x="1383030" y="28815460"/>
+            <a:ext cx="4526280" cy="1655233"/>
           </a:xfrm>
           <a:prstGeom prst="rect">
             <a:avLst/>
@@ -2554,7 +2554,7 @@
           <a:bodyPr vert="horz" lIns="91440" tIns="45720" rIns="91440" bIns="45720" rtlCol="0" anchor="ctr"/>
           <a:lstStyle>
             <a:lvl1pPr algn="l">
-              <a:defRPr sz="4320">
+              <a:defRPr sz="2640">
                 <a:solidFill>
                   <a:schemeClr val="tx1">
                     <a:tint val="75000"/>
@@ -2566,7 +2566,7 @@
           <a:p>
             <a:fld id="{BEA761C5-5839-4D3D-A874-271BB1853741}" type="datetimeFigureOut">
               <a:rPr lang="en-US" smtClean="0"/>
-              <a:t>11/26/2024</a:t>
+              <a:t>12/2/2025</a:t>
             </a:fld>
             <a:endParaRPr lang="en-US"/>
           </a:p>
@@ -2584,8 +2584,8 @@
         </p:nvSpPr>
         <p:spPr>
           <a:xfrm>
-            <a:off x="10904220" y="35595568"/>
-            <a:ext cx="11109960" cy="2044700"/>
+            <a:off x="6663690" y="28815460"/>
+            <a:ext cx="6789420" cy="1655233"/>
           </a:xfrm>
           <a:prstGeom prst="rect">
             <a:avLst/>
@@ -2595,7 +2595,7 @@
           <a:bodyPr vert="horz" lIns="91440" tIns="45720" rIns="91440" bIns="45720" rtlCol="0" anchor="ctr"/>
           <a:lstStyle>
             <a:lvl1pPr algn="ctr">
-              <a:defRPr sz="4320">
+              <a:defRPr sz="2640">
                 <a:solidFill>
                   <a:schemeClr val="tx1">
                     <a:tint val="75000"/>
@@ -2621,8 +2621,8 @@
         </p:nvSpPr>
         <p:spPr>
           <a:xfrm>
-            <a:off x="23248620" y="35595568"/>
-            <a:ext cx="7406640" cy="2044700"/>
+            <a:off x="14207490" y="28815460"/>
+            <a:ext cx="4526280" cy="1655233"/>
           </a:xfrm>
           <a:prstGeom prst="rect">
             <a:avLst/>
@@ -2632,7 +2632,7 @@
           <a:bodyPr vert="horz" lIns="91440" tIns="45720" rIns="91440" bIns="45720" rtlCol="0" anchor="ctr"/>
           <a:lstStyle>
             <a:lvl1pPr algn="r">
-              <a:defRPr sz="4320">
+              <a:defRPr sz="2640">
                 <a:solidFill>
                   <a:schemeClr val="tx1">
                     <a:tint val="75000"/>
@@ -2653,27 +2653,27 @@
     </p:spTree>
     <p:extLst>
       <p:ext uri="{BB962C8B-B14F-4D97-AF65-F5344CB8AC3E}">
-        <p14:creationId xmlns:p14="http://schemas.microsoft.com/office/powerpoint/2010/main" val="2054649385"/>
+        <p14:creationId xmlns:p14="http://schemas.microsoft.com/office/powerpoint/2010/main" val="852295999"/>
       </p:ext>
     </p:extLst>
   </p:cSld>
   <p:clrMap bg1="lt1" tx1="dk1" bg2="lt2" tx2="dk2" accent1="accent1" accent2="accent2" accent3="accent3" accent4="accent4" accent5="accent5" accent6="accent6" hlink="hlink" folHlink="folHlink"/>
   <p:sldLayoutIdLst>
-    <p:sldLayoutId id="2147483685" r:id="rId1"/>
-    <p:sldLayoutId id="2147483686" r:id="rId2"/>
-    <p:sldLayoutId id="2147483687" r:id="rId3"/>
-    <p:sldLayoutId id="2147483688" r:id="rId4"/>
-    <p:sldLayoutId id="2147483689" r:id="rId5"/>
-    <p:sldLayoutId id="2147483690" r:id="rId6"/>
-    <p:sldLayoutId id="2147483691" r:id="rId7"/>
-    <p:sldLayoutId id="2147483692" r:id="rId8"/>
-    <p:sldLayoutId id="2147483693" r:id="rId9"/>
-    <p:sldLayoutId id="2147483694" r:id="rId10"/>
-    <p:sldLayoutId id="2147483695" r:id="rId11"/>
+    <p:sldLayoutId id="2147483697" r:id="rId1"/>
+    <p:sldLayoutId id="2147483698" r:id="rId2"/>
+    <p:sldLayoutId id="2147483699" r:id="rId3"/>
+    <p:sldLayoutId id="2147483700" r:id="rId4"/>
+    <p:sldLayoutId id="2147483701" r:id="rId5"/>
+    <p:sldLayoutId id="2147483702" r:id="rId6"/>
+    <p:sldLayoutId id="2147483703" r:id="rId7"/>
+    <p:sldLayoutId id="2147483704" r:id="rId8"/>
+    <p:sldLayoutId id="2147483705" r:id="rId9"/>
+    <p:sldLayoutId id="2147483706" r:id="rId10"/>
+    <p:sldLayoutId id="2147483707" r:id="rId11"/>
   </p:sldLayoutIdLst>
   <p:txStyles>
     <p:titleStyle>
-      <a:lvl1pPr algn="l" defTabSz="3291840" rtl="0" eaLnBrk="1" latinLnBrk="0" hangingPunct="1">
+      <a:lvl1pPr algn="l" defTabSz="2011680" rtl="0" eaLnBrk="1" latinLnBrk="0" hangingPunct="1">
         <a:lnSpc>
           <a:spcPct val="90000"/>
         </a:lnSpc>
@@ -2681,7 +2681,7 @@
           <a:spcPct val="0"/>
         </a:spcBef>
         <a:buNone/>
-        <a:defRPr sz="15840" kern="1200">
+        <a:defRPr sz="9680" kern="1200">
           <a:solidFill>
             <a:schemeClr val="tx1"/>
           </a:solidFill>
@@ -2692,16 +2692,16 @@
       </a:lvl1pPr>
     </p:titleStyle>
     <p:bodyStyle>
-      <a:lvl1pPr marL="822960" indent="-822960" algn="l" defTabSz="3291840" rtl="0" eaLnBrk="1" latinLnBrk="0" hangingPunct="1">
+      <a:lvl1pPr marL="502920" indent="-502920" algn="l" defTabSz="2011680" rtl="0" eaLnBrk="1" latinLnBrk="0" hangingPunct="1">
         <a:lnSpc>
           <a:spcPct val="90000"/>
         </a:lnSpc>
         <a:spcBef>
-          <a:spcPts val="3600"/>
+          <a:spcPts val="2200"/>
         </a:spcBef>
         <a:buFont typeface="Arial" panose="020B0604020202020204" pitchFamily="34" charset="0"/>
         <a:buChar char="•"/>
-        <a:defRPr sz="10080" kern="1200">
+        <a:defRPr sz="6160" kern="1200">
           <a:solidFill>
             <a:schemeClr val="tx1"/>
           </a:solidFill>
@@ -2710,16 +2710,16 @@
           <a:cs typeface="+mn-cs"/>
         </a:defRPr>
       </a:lvl1pPr>
-      <a:lvl2pPr marL="2468880" indent="-822960" algn="l" defTabSz="3291840" rtl="0" eaLnBrk="1" latinLnBrk="0" hangingPunct="1">
+      <a:lvl2pPr marL="1508760" indent="-502920" algn="l" defTabSz="2011680" rtl="0" eaLnBrk="1" latinLnBrk="0" hangingPunct="1">
         <a:lnSpc>
           <a:spcPct val="90000"/>
         </a:lnSpc>
         <a:spcBef>
-          <a:spcPts val="1800"/>
+          <a:spcPts val="1100"/>
         </a:spcBef>
         <a:buFont typeface="Arial" panose="020B0604020202020204" pitchFamily="34" charset="0"/>
         <a:buChar char="•"/>
-        <a:defRPr sz="8640" kern="1200">
+        <a:defRPr sz="5280" kern="1200">
           <a:solidFill>
             <a:schemeClr val="tx1"/>
           </a:solidFill>
@@ -2728,16 +2728,16 @@
           <a:cs typeface="+mn-cs"/>
         </a:defRPr>
       </a:lvl2pPr>
-      <a:lvl3pPr marL="4114800" indent="-822960" algn="l" defTabSz="3291840" rtl="0" eaLnBrk="1" latinLnBrk="0" hangingPunct="1">
+      <a:lvl3pPr marL="2514600" indent="-502920" algn="l" defTabSz="2011680" rtl="0" eaLnBrk="1" latinLnBrk="0" hangingPunct="1">
         <a:lnSpc>
           <a:spcPct val="90000"/>
         </a:lnSpc>
         <a:spcBef>
-          <a:spcPts val="1800"/>
+          <a:spcPts val="1100"/>
         </a:spcBef>
         <a:buFont typeface="Arial" panose="020B0604020202020204" pitchFamily="34" charset="0"/>
         <a:buChar char="•"/>
-        <a:defRPr sz="7200" kern="1200">
+        <a:defRPr sz="4400" kern="1200">
           <a:solidFill>
             <a:schemeClr val="tx1"/>
           </a:solidFill>
@@ -2746,16 +2746,16 @@
           <a:cs typeface="+mn-cs"/>
         </a:defRPr>
       </a:lvl3pPr>
-      <a:lvl4pPr marL="5760720" indent="-822960" algn="l" defTabSz="3291840" rtl="0" eaLnBrk="1" latinLnBrk="0" hangingPunct="1">
+      <a:lvl4pPr marL="3520440" indent="-502920" algn="l" defTabSz="2011680" rtl="0" eaLnBrk="1" latinLnBrk="0" hangingPunct="1">
         <a:lnSpc>
           <a:spcPct val="90000"/>
         </a:lnSpc>
         <a:spcBef>
-          <a:spcPts val="1800"/>
+          <a:spcPts val="1100"/>
         </a:spcBef>
         <a:buFont typeface="Arial" panose="020B0604020202020204" pitchFamily="34" charset="0"/>
         <a:buChar char="•"/>
-        <a:defRPr sz="6480" kern="1200">
+        <a:defRPr sz="3960" kern="1200">
           <a:solidFill>
             <a:schemeClr val="tx1"/>
           </a:solidFill>
@@ -2764,16 +2764,16 @@
           <a:cs typeface="+mn-cs"/>
         </a:defRPr>
       </a:lvl4pPr>
-      <a:lvl5pPr marL="7406640" indent="-822960" algn="l" defTabSz="3291840" rtl="0" eaLnBrk="1" latinLnBrk="0" hangingPunct="1">
+      <a:lvl5pPr marL="4526280" indent="-502920" algn="l" defTabSz="2011680" rtl="0" eaLnBrk="1" latinLnBrk="0" hangingPunct="1">
         <a:lnSpc>
           <a:spcPct val="90000"/>
         </a:lnSpc>
         <a:spcBef>
-          <a:spcPts val="1800"/>
+          <a:spcPts val="1100"/>
         </a:spcBef>
         <a:buFont typeface="Arial" panose="020B0604020202020204" pitchFamily="34" charset="0"/>
         <a:buChar char="•"/>
-        <a:defRPr sz="6480" kern="1200">
+        <a:defRPr sz="3960" kern="1200">
           <a:solidFill>
             <a:schemeClr val="tx1"/>
           </a:solidFill>
@@ -2782,16 +2782,16 @@
           <a:cs typeface="+mn-cs"/>
         </a:defRPr>
       </a:lvl5pPr>
-      <a:lvl6pPr marL="9052560" indent="-822960" algn="l" defTabSz="3291840" rtl="0" eaLnBrk="1" latinLnBrk="0" hangingPunct="1">
+      <a:lvl6pPr marL="5532120" indent="-502920" algn="l" defTabSz="2011680" rtl="0" eaLnBrk="1" latinLnBrk="0" hangingPunct="1">
         <a:lnSpc>
           <a:spcPct val="90000"/>
         </a:lnSpc>
         <a:spcBef>
-          <a:spcPts val="1800"/>
+          <a:spcPts val="1100"/>
         </a:spcBef>
         <a:buFont typeface="Arial" panose="020B0604020202020204" pitchFamily="34" charset="0"/>
         <a:buChar char="•"/>
-        <a:defRPr sz="6480" kern="1200">
+        <a:defRPr sz="3960" kern="1200">
           <a:solidFill>
             <a:schemeClr val="tx1"/>
           </a:solidFill>
@@ -2800,16 +2800,16 @@
           <a:cs typeface="+mn-cs"/>
         </a:defRPr>
       </a:lvl6pPr>
-      <a:lvl7pPr marL="10698480" indent="-822960" algn="l" defTabSz="3291840" rtl="0" eaLnBrk="1" latinLnBrk="0" hangingPunct="1">
+      <a:lvl7pPr marL="6537960" indent="-502920" algn="l" defTabSz="2011680" rtl="0" eaLnBrk="1" latinLnBrk="0" hangingPunct="1">
         <a:lnSpc>
           <a:spcPct val="90000"/>
         </a:lnSpc>
         <a:spcBef>
-          <a:spcPts val="1800"/>
+          <a:spcPts val="1100"/>
         </a:spcBef>
         <a:buFont typeface="Arial" panose="020B0604020202020204" pitchFamily="34" charset="0"/>
         <a:buChar char="•"/>
-        <a:defRPr sz="6480" kern="1200">
+        <a:defRPr sz="3960" kern="1200">
           <a:solidFill>
             <a:schemeClr val="tx1"/>
           </a:solidFill>
@@ -2818,16 +2818,16 @@
           <a:cs typeface="+mn-cs"/>
         </a:defRPr>
       </a:lvl7pPr>
-      <a:lvl8pPr marL="12344400" indent="-822960" algn="l" defTabSz="3291840" rtl="0" eaLnBrk="1" latinLnBrk="0" hangingPunct="1">
+      <a:lvl8pPr marL="7543800" indent="-502920" algn="l" defTabSz="2011680" rtl="0" eaLnBrk="1" latinLnBrk="0" hangingPunct="1">
         <a:lnSpc>
           <a:spcPct val="90000"/>
         </a:lnSpc>
         <a:spcBef>
-          <a:spcPts val="1800"/>
+          <a:spcPts val="1100"/>
         </a:spcBef>
         <a:buFont typeface="Arial" panose="020B0604020202020204" pitchFamily="34" charset="0"/>
         <a:buChar char="•"/>
-        <a:defRPr sz="6480" kern="1200">
+        <a:defRPr sz="3960" kern="1200">
           <a:solidFill>
             <a:schemeClr val="tx1"/>
           </a:solidFill>
@@ -2836,16 +2836,16 @@
           <a:cs typeface="+mn-cs"/>
         </a:defRPr>
       </a:lvl8pPr>
-      <a:lvl9pPr marL="13990320" indent="-822960" algn="l" defTabSz="3291840" rtl="0" eaLnBrk="1" latinLnBrk="0" hangingPunct="1">
+      <a:lvl9pPr marL="8549640" indent="-502920" algn="l" defTabSz="2011680" rtl="0" eaLnBrk="1" latinLnBrk="0" hangingPunct="1">
         <a:lnSpc>
           <a:spcPct val="90000"/>
         </a:lnSpc>
         <a:spcBef>
-          <a:spcPts val="1800"/>
+          <a:spcPts val="1100"/>
         </a:spcBef>
         <a:buFont typeface="Arial" panose="020B0604020202020204" pitchFamily="34" charset="0"/>
         <a:buChar char="•"/>
-        <a:defRPr sz="6480" kern="1200">
+        <a:defRPr sz="3960" kern="1200">
           <a:solidFill>
             <a:schemeClr val="tx1"/>
           </a:solidFill>
@@ -2859,8 +2859,8 @@
       <a:defPPr>
         <a:defRPr lang="en-US"/>
       </a:defPPr>
-      <a:lvl1pPr marL="0" algn="l" defTabSz="3291840" rtl="0" eaLnBrk="1" latinLnBrk="0" hangingPunct="1">
-        <a:defRPr sz="6480" kern="1200">
+      <a:lvl1pPr marL="0" algn="l" defTabSz="2011680" rtl="0" eaLnBrk="1" latinLnBrk="0" hangingPunct="1">
+        <a:defRPr sz="3960" kern="1200">
           <a:solidFill>
             <a:schemeClr val="tx1"/>
           </a:solidFill>
@@ -2869,8 +2869,8 @@
           <a:cs typeface="+mn-cs"/>
         </a:defRPr>
       </a:lvl1pPr>
-      <a:lvl2pPr marL="1645920" algn="l" defTabSz="3291840" rtl="0" eaLnBrk="1" latinLnBrk="0" hangingPunct="1">
-        <a:defRPr sz="6480" kern="1200">
+      <a:lvl2pPr marL="1005840" algn="l" defTabSz="2011680" rtl="0" eaLnBrk="1" latinLnBrk="0" hangingPunct="1">
+        <a:defRPr sz="3960" kern="1200">
           <a:solidFill>
             <a:schemeClr val="tx1"/>
           </a:solidFill>
@@ -2879,8 +2879,8 @@
           <a:cs typeface="+mn-cs"/>
         </a:defRPr>
       </a:lvl2pPr>
-      <a:lvl3pPr marL="3291840" algn="l" defTabSz="3291840" rtl="0" eaLnBrk="1" latinLnBrk="0" hangingPunct="1">
-        <a:defRPr sz="6480" kern="1200">
+      <a:lvl3pPr marL="2011680" algn="l" defTabSz="2011680" rtl="0" eaLnBrk="1" latinLnBrk="0" hangingPunct="1">
+        <a:defRPr sz="3960" kern="1200">
           <a:solidFill>
             <a:schemeClr val="tx1"/>
           </a:solidFill>
@@ -2889,8 +2889,8 @@
           <a:cs typeface="+mn-cs"/>
         </a:defRPr>
       </a:lvl3pPr>
-      <a:lvl4pPr marL="4937760" algn="l" defTabSz="3291840" rtl="0" eaLnBrk="1" latinLnBrk="0" hangingPunct="1">
-        <a:defRPr sz="6480" kern="1200">
+      <a:lvl4pPr marL="3017520" algn="l" defTabSz="2011680" rtl="0" eaLnBrk="1" latinLnBrk="0" hangingPunct="1">
+        <a:defRPr sz="3960" kern="1200">
           <a:solidFill>
             <a:schemeClr val="tx1"/>
           </a:solidFill>
@@ -2899,8 +2899,8 @@
           <a:cs typeface="+mn-cs"/>
         </a:defRPr>
       </a:lvl4pPr>
-      <a:lvl5pPr marL="6583680" algn="l" defTabSz="3291840" rtl="0" eaLnBrk="1" latinLnBrk="0" hangingPunct="1">
-        <a:defRPr sz="6480" kern="1200">
+      <a:lvl5pPr marL="4023360" algn="l" defTabSz="2011680" rtl="0" eaLnBrk="1" latinLnBrk="0" hangingPunct="1">
+        <a:defRPr sz="3960" kern="1200">
           <a:solidFill>
             <a:schemeClr val="tx1"/>
           </a:solidFill>
@@ -2909,8 +2909,8 @@
           <a:cs typeface="+mn-cs"/>
         </a:defRPr>
       </a:lvl5pPr>
-      <a:lvl6pPr marL="8229600" algn="l" defTabSz="3291840" rtl="0" eaLnBrk="1" latinLnBrk="0" hangingPunct="1">
-        <a:defRPr sz="6480" kern="1200">
+      <a:lvl6pPr marL="5029200" algn="l" defTabSz="2011680" rtl="0" eaLnBrk="1" latinLnBrk="0" hangingPunct="1">
+        <a:defRPr sz="3960" kern="1200">
           <a:solidFill>
             <a:schemeClr val="tx1"/>
           </a:solidFill>
@@ -2919,8 +2919,8 @@
           <a:cs typeface="+mn-cs"/>
         </a:defRPr>
       </a:lvl6pPr>
-      <a:lvl7pPr marL="9875520" algn="l" defTabSz="3291840" rtl="0" eaLnBrk="1" latinLnBrk="0" hangingPunct="1">
-        <a:defRPr sz="6480" kern="1200">
+      <a:lvl7pPr marL="6035040" algn="l" defTabSz="2011680" rtl="0" eaLnBrk="1" latinLnBrk="0" hangingPunct="1">
+        <a:defRPr sz="3960" kern="1200">
           <a:solidFill>
             <a:schemeClr val="tx1"/>
           </a:solidFill>
@@ -2929,8 +2929,8 @@
           <a:cs typeface="+mn-cs"/>
         </a:defRPr>
       </a:lvl7pPr>
-      <a:lvl8pPr marL="11521440" algn="l" defTabSz="3291840" rtl="0" eaLnBrk="1" latinLnBrk="0" hangingPunct="1">
-        <a:defRPr sz="6480" kern="1200">
+      <a:lvl8pPr marL="7040880" algn="l" defTabSz="2011680" rtl="0" eaLnBrk="1" latinLnBrk="0" hangingPunct="1">
+        <a:defRPr sz="3960" kern="1200">
           <a:solidFill>
             <a:schemeClr val="tx1"/>
           </a:solidFill>
@@ -2939,8 +2939,8 @@
           <a:cs typeface="+mn-cs"/>
         </a:defRPr>
       </a:lvl8pPr>
-      <a:lvl9pPr marL="13167360" algn="l" defTabSz="3291840" rtl="0" eaLnBrk="1" latinLnBrk="0" hangingPunct="1">
-        <a:defRPr sz="6480" kern="1200">
+      <a:lvl9pPr marL="8046720" algn="l" defTabSz="2011680" rtl="0" eaLnBrk="1" latinLnBrk="0" hangingPunct="1">
+        <a:defRPr sz="3960" kern="1200">
           <a:solidFill>
             <a:schemeClr val="tx1"/>
           </a:solidFill>
@@ -2979,8 +2979,8 @@
         </p:nvSpPr>
         <p:spPr>
           <a:xfrm>
-            <a:off x="0" y="1"/>
-            <a:ext cx="32918400" cy="6629636"/>
+            <a:off x="0" y="-1"/>
+            <a:ext cx="20116800" cy="4612003"/>
           </a:xfrm>
           <a:prstGeom prst="rect">
             <a:avLst/>
@@ -3009,7 +3009,7 @@
           </a:fontRef>
         </p:style>
         <p:txBody>
-          <a:bodyPr rot="0" spcFirstLastPara="0" vertOverflow="overflow" horzOverflow="overflow" vert="horz" wrap="square" lIns="384048" tIns="192024" rIns="384048" bIns="192024" numCol="1" spcCol="0" rtlCol="0" fromWordArt="0" anchor="ctr" anchorCtr="0" forceAA="0" compatLnSpc="1">
+          <a:bodyPr rot="0" spcFirstLastPara="0" vertOverflow="overflow" horzOverflow="overflow" vert="horz" wrap="square" lIns="234696" tIns="117348" rIns="234696" bIns="117348" numCol="1" spcCol="0" rtlCol="0" fromWordArt="0" anchor="ctr" anchorCtr="0" forceAA="0" compatLnSpc="1">
             <a:prstTxWarp prst="textNoShape">
               <a:avLst/>
             </a:prstTxWarp>
@@ -3019,7 +3019,7 @@
           <a:p>
             <a:pPr algn="ctr"/>
             <a:r>
-              <a:rPr lang="en-US" sz="23333" dirty="0">
+              <a:rPr lang="en-US" sz="14259" dirty="0">
                 <a:solidFill>
                   <a:schemeClr val="bg1"/>
                 </a:solidFill>
@@ -3030,7 +3030,7 @@
           <a:p>
             <a:pPr algn="ctr"/>
             <a:r>
-              <a:rPr lang="en-US" sz="11200" dirty="0">
+              <a:rPr lang="en-US" sz="6844" dirty="0">
                 <a:solidFill>
                   <a:schemeClr val="bg1"/>
                 </a:solidFill>
@@ -3038,14 +3038,14 @@
               <a:t>Authors </a:t>
             </a:r>
             <a:r>
-              <a:rPr lang="en-US" sz="8400" dirty="0">
+              <a:rPr lang="en-US" sz="5133" dirty="0">
                 <a:solidFill>
                   <a:schemeClr val="bg1"/>
                 </a:solidFill>
               </a:rPr>
               <a:t>(with optional email addresses)</a:t>
             </a:r>
-            <a:endParaRPr lang="en-US" sz="11200" dirty="0">
+            <a:endParaRPr lang="en-US" sz="6844" dirty="0">
               <a:solidFill>
                 <a:schemeClr val="bg1"/>
               </a:solidFill>
@@ -3061,8 +3061,8 @@
         </p:nvSpPr>
         <p:spPr>
           <a:xfrm>
-            <a:off x="0" y="6628344"/>
-            <a:ext cx="32918400" cy="9483917"/>
+            <a:off x="0" y="4612003"/>
+            <a:ext cx="20116800" cy="5235168"/>
           </a:xfrm>
           <a:prstGeom prst="rect">
             <a:avLst/>
@@ -3091,7 +3091,7 @@
           </a:fontRef>
         </p:style>
         <p:txBody>
-          <a:bodyPr rot="0" spcFirstLastPara="0" vertOverflow="overflow" horzOverflow="overflow" vert="horz" wrap="square" lIns="384048" tIns="192024" rIns="384048" bIns="192024" numCol="1" spcCol="0" rtlCol="0" fromWordArt="0" anchor="t" anchorCtr="0" forceAA="0" compatLnSpc="1">
+          <a:bodyPr rot="0" spcFirstLastPara="0" vertOverflow="overflow" horzOverflow="overflow" vert="horz" wrap="square" lIns="234696" tIns="117348" rIns="234696" bIns="117348" numCol="1" spcCol="0" rtlCol="0" fromWordArt="0" anchor="ctr" anchorCtr="0" forceAA="0" compatLnSpc="1">
             <a:prstTxWarp prst="textNoShape">
               <a:avLst/>
             </a:prstTxWarp>
@@ -3100,19 +3100,8 @@
           <a:lstStyle/>
           <a:p>
             <a:pPr algn="ctr"/>
-            <a:endParaRPr lang="en-US" sz="13125" b="1" dirty="0">
-              <a:solidFill>
-                <a:schemeClr val="tx1"/>
-              </a:solidFill>
-              <a:latin typeface="Lato Black" panose="020F0A02020204030203" pitchFamily="34" charset="0"/>
-              <a:ea typeface="Roboto" panose="02000000000000000000" pitchFamily="2" charset="0"/>
-              <a:cs typeface="Arial" panose="020B0604020202020204" pitchFamily="34" charset="0"/>
-            </a:endParaRPr>
-          </a:p>
-          <a:p>
-            <a:pPr algn="ctr"/>
-            <a:r>
-              <a:rPr lang="en-US" sz="13125" b="1" dirty="0">
+            <a:r>
+              <a:rPr lang="en-US" sz="8021" b="1" dirty="0">
                 <a:solidFill>
                   <a:schemeClr val="tx1"/>
                 </a:solidFill>
@@ -3123,7 +3112,7 @@
               <a:t>Main finding goes here</a:t>
             </a:r>
             <a:r>
-              <a:rPr lang="en-US" sz="13125" dirty="0">
+              <a:rPr lang="en-US" sz="8021" dirty="0">
                 <a:solidFill>
                   <a:schemeClr val="tx1"/>
                 </a:solidFill>
@@ -3134,7 +3123,7 @@
               <a:t>, translated into </a:t>
             </a:r>
             <a:r>
-              <a:rPr lang="en-US" sz="13125" dirty="0">
+              <a:rPr lang="en-US" sz="8021" dirty="0">
                 <a:solidFill>
                   <a:schemeClr val="tx1"/>
                 </a:solidFill>
@@ -3145,7 +3134,7 @@
               <a:t>plain English</a:t>
             </a:r>
             <a:r>
-              <a:rPr lang="en-US" sz="13125" dirty="0">
+              <a:rPr lang="en-US" sz="8021" dirty="0">
                 <a:solidFill>
                   <a:schemeClr val="tx1"/>
                 </a:solidFill>
@@ -3156,7 +3145,7 @@
               <a:t>. </a:t>
             </a:r>
             <a:r>
-              <a:rPr lang="en-US" sz="13125" dirty="0">
+              <a:rPr lang="en-US" sz="8021" dirty="0">
                 <a:solidFill>
                   <a:schemeClr val="tx1"/>
                 </a:solidFill>
@@ -3167,7 +3156,7 @@
               <a:t>Emphasize</a:t>
             </a:r>
             <a:r>
-              <a:rPr lang="en-US" sz="13125" dirty="0">
+              <a:rPr lang="en-US" sz="8021" dirty="0">
                 <a:solidFill>
                   <a:schemeClr val="tx1"/>
                 </a:solidFill>
@@ -3177,7 +3166,7 @@
               </a:rPr>
               <a:t> the important words.</a:t>
             </a:r>
-            <a:endParaRPr lang="en-US" sz="13125" dirty="0">
+            <a:endParaRPr lang="en-US" sz="8021" dirty="0">
               <a:solidFill>
                 <a:schemeClr val="tx1"/>
               </a:solidFill>
@@ -3193,8 +3182,8 @@
         </p:nvSpPr>
         <p:spPr>
           <a:xfrm>
-            <a:off x="1073439" y="16338003"/>
-            <a:ext cx="19831130" cy="18380795"/>
+            <a:off x="292774" y="10321566"/>
+            <a:ext cx="12119024" cy="13600317"/>
           </a:xfrm>
           <a:prstGeom prst="rect">
             <a:avLst/>
@@ -3223,7 +3212,7 @@
           </a:fontRef>
         </p:style>
         <p:txBody>
-          <a:bodyPr lIns="320040" tIns="106680" rIns="320040" bIns="106680" rtlCol="0" anchor="t"/>
+          <a:bodyPr lIns="195580" tIns="65193" rIns="195580" bIns="65193" rtlCol="0" anchor="t"/>
           <a:lstStyle/>
           <a:p>
             <a:pPr>
@@ -3232,7 +3221,7 @@
               </a:lnSpc>
             </a:pPr>
             <a:r>
-              <a:rPr lang="en-US" sz="7000" b="1" dirty="0">
+              <a:rPr lang="en-US" sz="6000" b="1" dirty="0">
                 <a:solidFill>
                   <a:schemeClr val="tx1"/>
                 </a:solidFill>
@@ -3242,7 +3231,7 @@
             </a:r>
           </a:p>
           <a:p>
-            <a:pPr marL="666733" indent="-666733">
+            <a:pPr marL="407441" indent="-407441">
               <a:lnSpc>
                 <a:spcPct val="120000"/>
               </a:lnSpc>
@@ -3250,7 +3239,7 @@
               <a:buChar char="•"/>
             </a:pPr>
             <a:r>
-              <a:rPr lang="en-US" sz="4666" dirty="0">
+              <a:rPr lang="en-US" sz="4400" dirty="0">
                 <a:solidFill>
                   <a:schemeClr val="tx1"/>
                 </a:solidFill>
@@ -3259,7 +3248,7 @@
               <a:t>Just give </a:t>
             </a:r>
             <a:r>
-              <a:rPr lang="en-US" sz="4666" i="1" dirty="0">
+              <a:rPr lang="en-US" sz="4400" i="1" dirty="0">
                 <a:solidFill>
                   <a:schemeClr val="tx1"/>
                 </a:solidFill>
@@ -3268,7 +3257,7 @@
               <a:t>quick</a:t>
             </a:r>
             <a:r>
-              <a:rPr lang="en-US" sz="4666" dirty="0">
+              <a:rPr lang="en-US" sz="4400" dirty="0">
                 <a:solidFill>
                   <a:schemeClr val="tx1"/>
                 </a:solidFill>
@@ -3276,7 +3265,7 @@
               </a:rPr>
               <a:t> context for the gap you’re filling.</a:t>
             </a:r>
-            <a:endParaRPr lang="en-US" sz="4666" b="1" dirty="0">
+            <a:endParaRPr lang="en-US" sz="4400" b="1" dirty="0">
               <a:solidFill>
                 <a:schemeClr val="tx1"/>
               </a:solidFill>
@@ -3289,7 +3278,7 @@
                 <a:spcPct val="120000"/>
               </a:lnSpc>
             </a:pPr>
-            <a:endParaRPr lang="en-US" sz="4666" b="1" dirty="0">
+            <a:endParaRPr lang="en-US" sz="4400" b="1" dirty="0">
               <a:solidFill>
                 <a:schemeClr val="tx1"/>
               </a:solidFill>
@@ -3303,7 +3292,7 @@
               </a:lnSpc>
             </a:pPr>
             <a:r>
-              <a:rPr lang="en-US" sz="7000" b="1" dirty="0">
+              <a:rPr lang="en-US" sz="6000" b="1" dirty="0">
                 <a:solidFill>
                   <a:schemeClr val="tx1"/>
                 </a:solidFill>
@@ -3313,7 +3302,7 @@
             </a:r>
           </a:p>
           <a:p>
-            <a:pPr marL="866753" indent="-866753">
+            <a:pPr marL="529673" indent="-529673">
               <a:lnSpc>
                 <a:spcPct val="120000"/>
               </a:lnSpc>
@@ -3321,7 +3310,7 @@
               <a:buAutoNum type="arabicPeriod"/>
             </a:pPr>
             <a:r>
-              <a:rPr lang="en-US" sz="4666" dirty="0">
+              <a:rPr lang="en-US" sz="4400" dirty="0">
                 <a:solidFill>
                   <a:schemeClr val="tx1"/>
                 </a:solidFill>
@@ -3331,7 +3320,7 @@
             </a:r>
           </a:p>
           <a:p>
-            <a:pPr marL="866753" indent="-866753">
+            <a:pPr marL="529673" indent="-529673">
               <a:lnSpc>
                 <a:spcPct val="120000"/>
               </a:lnSpc>
@@ -3339,7 +3328,7 @@
               <a:buAutoNum type="arabicPeriod"/>
             </a:pPr>
             <a:r>
-              <a:rPr lang="en-US" sz="4666" dirty="0">
+              <a:rPr lang="en-US" sz="4400" dirty="0">
                 <a:solidFill>
                   <a:schemeClr val="tx1"/>
                 </a:solidFill>
@@ -3349,7 +3338,7 @@
             </a:r>
           </a:p>
           <a:p>
-            <a:pPr marL="866753" indent="-866753">
+            <a:pPr marL="529673" indent="-529673">
               <a:lnSpc>
                 <a:spcPct val="120000"/>
               </a:lnSpc>
@@ -3357,7 +3346,7 @@
               <a:buAutoNum type="arabicPeriod"/>
             </a:pPr>
             <a:r>
-              <a:rPr lang="en-US" sz="4666" dirty="0">
+              <a:rPr lang="en-US" sz="4400" dirty="0">
                 <a:solidFill>
                   <a:schemeClr val="tx1"/>
                 </a:solidFill>
@@ -3365,7 +3354,7 @@
               </a:rPr>
               <a:t>Tested with X statistical test</a:t>
             </a:r>
-            <a:endParaRPr lang="en-US" sz="4666" b="1" dirty="0">
+            <a:endParaRPr lang="en-US" sz="4400" b="1" dirty="0">
               <a:solidFill>
                 <a:schemeClr val="tx1"/>
               </a:solidFill>
@@ -3378,7 +3367,7 @@
                 <a:spcPct val="120000"/>
               </a:lnSpc>
             </a:pPr>
-            <a:endParaRPr lang="en-US" sz="4666" b="1" dirty="0">
+            <a:endParaRPr lang="en-US" sz="4400" b="1" dirty="0">
               <a:solidFill>
                 <a:schemeClr val="tx1"/>
               </a:solidFill>
@@ -3392,7 +3381,7 @@
               </a:lnSpc>
             </a:pPr>
             <a:r>
-              <a:rPr lang="en-US" sz="7000" b="1" dirty="0">
+              <a:rPr lang="en-US" sz="6000" b="1" dirty="0">
                 <a:solidFill>
                   <a:schemeClr val="tx1"/>
                 </a:solidFill>
@@ -3402,7 +3391,7 @@
             </a:r>
           </a:p>
           <a:p>
-            <a:pPr marL="666733" indent="-666733">
+            <a:pPr marL="407441" indent="-407441">
               <a:lnSpc>
                 <a:spcPct val="120000"/>
               </a:lnSpc>
@@ -3410,7 +3399,7 @@
               <a:buChar char="•"/>
             </a:pPr>
             <a:r>
-              <a:rPr lang="en-US" sz="4666" dirty="0">
+              <a:rPr lang="en-US" sz="4400" dirty="0">
                 <a:solidFill>
                   <a:schemeClr val="tx1"/>
                 </a:solidFill>
@@ -3420,7 +3409,7 @@
             </a:r>
           </a:p>
           <a:p>
-            <a:pPr marL="666733" indent="-666733">
+            <a:pPr marL="407441" indent="-407441">
               <a:lnSpc>
                 <a:spcPct val="120000"/>
               </a:lnSpc>
@@ -3428,7 +3417,7 @@
               <a:buChar char="•"/>
             </a:pPr>
             <a:r>
-              <a:rPr lang="en-US" sz="4666" dirty="0">
+              <a:rPr lang="en-US" sz="4400" dirty="0">
                 <a:solidFill>
                   <a:schemeClr val="tx1"/>
                 </a:solidFill>
@@ -3443,7 +3432,7 @@
                 <a:spcPct val="120000"/>
               </a:lnSpc>
             </a:pPr>
-            <a:endParaRPr lang="en-US" sz="4666" dirty="0">
+            <a:endParaRPr lang="en-US" sz="4400" dirty="0">
               <a:solidFill>
                 <a:schemeClr val="tx1"/>
               </a:solidFill>
@@ -3457,7 +3446,7 @@
               </a:lnSpc>
             </a:pPr>
             <a:r>
-              <a:rPr lang="en-US" sz="7000" b="1" dirty="0">
+              <a:rPr lang="en-US" sz="6000" b="1" dirty="0">
                 <a:solidFill>
                   <a:schemeClr val="tx1"/>
                 </a:solidFill>
@@ -3467,7 +3456,7 @@
             </a:r>
           </a:p>
           <a:p>
-            <a:pPr marL="533387" indent="-533387">
+            <a:pPr marL="325953" indent="-325953">
               <a:lnSpc>
                 <a:spcPct val="120000"/>
               </a:lnSpc>
@@ -3475,7 +3464,7 @@
               <a:buChar char="•"/>
             </a:pPr>
             <a:r>
-              <a:rPr lang="en-US" sz="4666" dirty="0">
+              <a:rPr lang="en-US" sz="4400" dirty="0">
                 <a:solidFill>
                   <a:schemeClr val="tx1"/>
                 </a:solidFill>
@@ -3485,14 +3474,14 @@
             </a:r>
           </a:p>
           <a:p>
-            <a:pPr marL="533387" indent="-533387">
+            <a:pPr marL="325953" indent="-325953">
               <a:lnSpc>
                 <a:spcPct val="120000"/>
               </a:lnSpc>
               <a:buFont typeface="Arial" panose="020B0604020202020204" pitchFamily="34" charset="0"/>
               <a:buChar char="•"/>
             </a:pPr>
-            <a:endParaRPr lang="en-US" sz="4666" dirty="0">
+            <a:endParaRPr lang="en-US" sz="4400" dirty="0">
               <a:solidFill>
                 <a:schemeClr val="tx1"/>
               </a:solidFill>
@@ -3500,7 +3489,7 @@
             </a:endParaRPr>
           </a:p>
           <a:p>
-            <a:pPr marL="866753" indent="-866753">
+            <a:pPr marL="529673" indent="-529673">
               <a:lnSpc>
                 <a:spcPct val="120000"/>
               </a:lnSpc>
@@ -3508,7 +3497,7 @@
               <a:buChar char="•"/>
             </a:pPr>
             <a:r>
-              <a:rPr lang="en-US" sz="2100" dirty="0">
+              <a:rPr lang="en-US" sz="2000" dirty="0">
                 <a:solidFill>
                   <a:schemeClr val="bg1">
                     <a:lumMod val="65000"/>
@@ -3520,7 +3509,7 @@
               <a:t>Keep </a:t>
             </a:r>
             <a:r>
-              <a:rPr lang="en-US" sz="2100" b="1" dirty="0">
+              <a:rPr lang="en-US" sz="2000" b="1" dirty="0">
                 <a:solidFill>
                   <a:schemeClr val="bg1">
                     <a:lumMod val="65000"/>
@@ -3532,7 +3521,7 @@
               <a:t>font size</a:t>
             </a:r>
             <a:r>
-              <a:rPr lang="en-US" sz="2100" dirty="0">
+              <a:rPr lang="en-US" sz="2000" dirty="0">
                 <a:solidFill>
                   <a:schemeClr val="bg1">
                     <a:lumMod val="65000"/>
@@ -3544,7 +3533,7 @@
               <a:t> as high above </a:t>
             </a:r>
             <a:r>
-              <a:rPr lang="en-US" sz="2100" b="1" dirty="0">
+              <a:rPr lang="en-US" sz="2000" b="1" dirty="0">
                 <a:solidFill>
                   <a:schemeClr val="bg1">
                     <a:lumMod val="65000"/>
@@ -3556,7 +3545,7 @@
               <a:t>40+</a:t>
             </a:r>
             <a:r>
-              <a:rPr lang="en-US" sz="2100" dirty="0">
+              <a:rPr lang="en-US" sz="2000" dirty="0">
                 <a:solidFill>
                   <a:schemeClr val="bg1">
                     <a:lumMod val="65000"/>
@@ -3569,7 +3558,7 @@
             </a:r>
           </a:p>
           <a:p>
-            <a:pPr marL="866753" indent="-866753">
+            <a:pPr marL="529673" indent="-529673">
               <a:lnSpc>
                 <a:spcPct val="120000"/>
               </a:lnSpc>
@@ -3577,7 +3566,7 @@
               <a:buChar char="•"/>
             </a:pPr>
             <a:r>
-              <a:rPr lang="en-US" sz="2100" dirty="0">
+              <a:rPr lang="en-US" sz="2000" dirty="0">
                 <a:solidFill>
                   <a:schemeClr val="bg1">
                     <a:lumMod val="65000"/>
@@ -3590,7 +3579,7 @@
             </a:r>
           </a:p>
           <a:p>
-            <a:pPr marL="866753" indent="-866753">
+            <a:pPr marL="529673" indent="-529673">
               <a:lnSpc>
                 <a:spcPct val="120000"/>
               </a:lnSpc>
@@ -3598,7 +3587,7 @@
               <a:buChar char="•"/>
             </a:pPr>
             <a:r>
-              <a:rPr lang="en-US" sz="2100" i="1" dirty="0">
+              <a:rPr lang="en-US" sz="2000" i="1" dirty="0">
                 <a:solidFill>
                   <a:schemeClr val="bg1">
                     <a:lumMod val="65000"/>
@@ -3610,7 +3599,7 @@
               <a:t>Less</a:t>
             </a:r>
             <a:r>
-              <a:rPr lang="en-US" sz="2100" dirty="0">
+              <a:rPr lang="en-US" sz="2000" dirty="0">
                 <a:solidFill>
                   <a:schemeClr val="bg1">
                     <a:lumMod val="65000"/>
@@ -3622,7 +3611,7 @@
               <a:t> content = </a:t>
             </a:r>
             <a:r>
-              <a:rPr lang="en-US" sz="2100" i="1" dirty="0">
+              <a:rPr lang="en-US" sz="2000" i="1" dirty="0">
                 <a:solidFill>
                   <a:schemeClr val="bg1">
                     <a:lumMod val="65000"/>
@@ -3634,7 +3623,7 @@
               <a:t>more</a:t>
             </a:r>
             <a:r>
-              <a:rPr lang="en-US" sz="2100" dirty="0">
+              <a:rPr lang="en-US" sz="2000" dirty="0">
                 <a:solidFill>
                   <a:schemeClr val="bg1">
                     <a:lumMod val="65000"/>
@@ -3645,7 +3634,7 @@
               </a:rPr>
               <a:t> readers.</a:t>
             </a:r>
-            <a:endParaRPr lang="en-US" sz="2100" dirty="0">
+            <a:endParaRPr lang="en-US" sz="2000" dirty="0">
               <a:solidFill>
                 <a:schemeClr val="tx1"/>
               </a:solidFill>
@@ -3654,7 +3643,7 @@
           </a:p>
           <a:p>
             <a:pPr algn="ctr"/>
-            <a:endParaRPr lang="en-US" sz="2100" dirty="0">
+            <a:endParaRPr lang="en-US" sz="2000" dirty="0">
               <a:solidFill>
                 <a:schemeClr val="tx1"/>
               </a:solidFill>
@@ -3670,8 +3659,8 @@
         </p:nvSpPr>
         <p:spPr>
           <a:xfrm>
-            <a:off x="22059899" y="16180847"/>
-            <a:ext cx="9703171" cy="18305836"/>
+            <a:off x="13481050" y="10367375"/>
+            <a:ext cx="5929716" cy="13544854"/>
           </a:xfrm>
           <a:prstGeom prst="rect">
             <a:avLst/>
@@ -3700,116 +3689,108 @@
           </a:fontRef>
         </p:style>
         <p:txBody>
-          <a:bodyPr lIns="320040" tIns="106680" rIns="320040" bIns="106680" rtlCol="0" anchor="t"/>
-          <a:lstStyle/>
-          <a:p>
-            <a:r>
-              <a:rPr lang="en-US" sz="7000" b="1" dirty="0">
+          <a:bodyPr lIns="195580" tIns="65193" rIns="195580" bIns="65193" rtlCol="0" anchor="t"/>
+          <a:lstStyle/>
+          <a:p>
+            <a:r>
+              <a:rPr lang="en-US" sz="6000" b="1" dirty="0">
                 <a:solidFill>
                   <a:schemeClr val="tx1"/>
                 </a:solidFill>
-                <a:latin typeface="Lato" panose="020F0502020204030203" pitchFamily="34" charset="0"/>
                 <a:cs typeface="Arial" panose="020B0604020202020204" pitchFamily="34" charset="0"/>
               </a:rPr>
               <a:t>AMMO BAR</a:t>
             </a:r>
           </a:p>
           <a:p>
-            <a:endParaRPr lang="en-US" sz="4666" b="1" dirty="0">
+            <a:endParaRPr lang="en-US" sz="4400" b="1" dirty="0">
               <a:solidFill>
                 <a:schemeClr val="tx1"/>
               </a:solidFill>
-              <a:latin typeface="Lato" panose="020F0502020204030203" pitchFamily="34" charset="0"/>
               <a:cs typeface="Arial" panose="020B0604020202020204" pitchFamily="34" charset="0"/>
             </a:endParaRPr>
           </a:p>
           <a:p>
             <a:r>
-              <a:rPr lang="en-US" sz="4666" b="1" dirty="0">
+              <a:rPr lang="en-US" sz="4400" b="1" dirty="0">
                 <a:solidFill>
                   <a:schemeClr val="tx1"/>
                 </a:solidFill>
-                <a:latin typeface="Lato" panose="020F0502020204030203" pitchFamily="34" charset="0"/>
                 <a:cs typeface="Arial" panose="020B0604020202020204" pitchFamily="34" charset="0"/>
               </a:rPr>
               <a:t>Delete this and replace it with your…</a:t>
             </a:r>
           </a:p>
           <a:p>
-            <a:pPr marL="1333467" indent="-1333467">
+            <a:pPr marL="814882" indent="-814882">
               <a:buFont typeface="Arial" panose="020B0604020202020204" pitchFamily="34" charset="0"/>
               <a:buChar char="•"/>
             </a:pPr>
             <a:r>
-              <a:rPr lang="en-US" sz="4666" dirty="0">
+              <a:rPr lang="en-US" sz="4400" dirty="0">
                 <a:solidFill>
                   <a:schemeClr val="tx1"/>
                 </a:solidFill>
-                <a:latin typeface="Lato" panose="020F0502020204030203" pitchFamily="34" charset="0"/>
                 <a:cs typeface="Arial" panose="020B0604020202020204" pitchFamily="34" charset="0"/>
               </a:rPr>
               <a:t>Extra Graphs</a:t>
             </a:r>
           </a:p>
           <a:p>
-            <a:pPr marL="1333467" indent="-1333467">
+            <a:pPr marL="814882" indent="-814882">
               <a:buFont typeface="Arial" panose="020B0604020202020204" pitchFamily="34" charset="0"/>
               <a:buChar char="•"/>
             </a:pPr>
             <a:r>
-              <a:rPr lang="en-US" sz="4666" dirty="0">
+              <a:rPr lang="en-US" sz="4400" dirty="0">
                 <a:solidFill>
                   <a:schemeClr val="tx1"/>
                 </a:solidFill>
-                <a:latin typeface="Lato" panose="020F0502020204030203" pitchFamily="34" charset="0"/>
                 <a:cs typeface="Arial" panose="020B0604020202020204" pitchFamily="34" charset="0"/>
               </a:rPr>
               <a:t>Extra Correlation tables</a:t>
             </a:r>
           </a:p>
           <a:p>
-            <a:pPr marL="1333467" indent="-1333467">
+            <a:pPr marL="814882" indent="-814882">
               <a:buFont typeface="Arial" panose="020B0604020202020204" pitchFamily="34" charset="0"/>
               <a:buChar char="•"/>
             </a:pPr>
             <a:r>
-              <a:rPr lang="en-US" sz="4666" dirty="0">
+              <a:rPr lang="en-US" sz="4400" dirty="0">
                 <a:solidFill>
                   <a:schemeClr val="tx1"/>
                 </a:solidFill>
-                <a:latin typeface="Lato" panose="020F0502020204030203" pitchFamily="34" charset="0"/>
                 <a:cs typeface="Arial" panose="020B0604020202020204" pitchFamily="34" charset="0"/>
               </a:rPr>
               <a:t>Extra Figures</a:t>
             </a:r>
           </a:p>
           <a:p>
-            <a:pPr marL="1333467" indent="-1333467">
+            <a:pPr marL="814882" indent="-814882">
               <a:buFont typeface="Arial" panose="020B0604020202020204" pitchFamily="34" charset="0"/>
               <a:buChar char="•"/>
             </a:pPr>
             <a:r>
-              <a:rPr lang="en-US" sz="4666" dirty="0">
+              <a:rPr lang="en-US" sz="4400" dirty="0">
                 <a:solidFill>
                   <a:schemeClr val="tx1"/>
                 </a:solidFill>
-                <a:latin typeface="Lato" panose="020F0502020204030203" pitchFamily="34" charset="0"/>
                 <a:cs typeface="Arial" panose="020B0604020202020204" pitchFamily="34" charset="0"/>
               </a:rPr>
               <a:t>Extra nuance that you’re worried about leaving out.</a:t>
             </a:r>
           </a:p>
           <a:p>
-            <a:pPr marL="1333467" indent="-1333467">
+            <a:pPr marL="814882" indent="-814882">
               <a:buFont typeface="Arial" panose="020B0604020202020204" pitchFamily="34" charset="0"/>
               <a:buChar char="•"/>
             </a:pPr>
             <a:r>
-              <a:rPr lang="en-US" sz="4666" dirty="0">
+              <a:rPr lang="en-US" sz="4400" dirty="0">
                 <a:solidFill>
                   <a:schemeClr val="tx1"/>
                 </a:solidFill>
-                <a:latin typeface="Lato" panose="020F0502020204030203" pitchFamily="34" charset="0"/>
                 <a:cs typeface="Arial" panose="020B0604020202020204" pitchFamily="34" charset="0"/>
               </a:rPr>
               <a:t>Any references</a:t>
@@ -3817,7 +3798,7 @@
           </a:p>
           <a:p>
             <a:pPr algn="ctr"/>
-            <a:endParaRPr lang="en-US" sz="4666" dirty="0">
+            <a:endParaRPr lang="en-US" sz="4400" dirty="0">
               <a:solidFill>
                 <a:schemeClr val="tx1"/>
               </a:solidFill>
@@ -3833,8 +3814,8 @@
         </p:nvSpPr>
         <p:spPr>
           <a:xfrm>
-            <a:off x="0" y="34280886"/>
-            <a:ext cx="32918400" cy="4123914"/>
+            <a:off x="0" y="28569430"/>
+            <a:ext cx="20116800" cy="2520170"/>
           </a:xfrm>
           <a:prstGeom prst="rect">
             <a:avLst/>
@@ -3867,20 +3848,22 @@
           <a:lstStyle/>
           <a:p>
             <a:pPr algn="ctr"/>
-            <a:endParaRPr lang="en-US" sz="6351"/>
+            <a:endParaRPr lang="en-US" sz="3881"/>
           </a:p>
         </p:txBody>
       </p:sp>
       <p:cxnSp>
         <p:nvCxnSpPr>
           <p:cNvPr id="17" name="Straight Connector 16"/>
-          <p:cNvCxnSpPr/>
+          <p:cNvCxnSpPr>
+            <a:cxnSpLocks/>
+          </p:cNvCxnSpPr>
           <p:nvPr/>
         </p:nvCxnSpPr>
         <p:spPr>
           <a:xfrm>
-            <a:off x="21465543" y="16180848"/>
-            <a:ext cx="0" cy="18481180"/>
+            <a:off x="13117832" y="9847171"/>
+            <a:ext cx="0" cy="18722259"/>
           </a:xfrm>
           <a:prstGeom prst="line">
             <a:avLst/>
@@ -3934,8 +3917,8 @@
         </p:blipFill>
         <p:spPr>
           <a:xfrm>
-            <a:off x="28251004" y="704638"/>
-            <a:ext cx="3512067" cy="5408583"/>
+            <a:off x="17845549" y="430613"/>
+            <a:ext cx="1653708" cy="2546710"/>
           </a:xfrm>
           <a:prstGeom prst="rect">
             <a:avLst/>
@@ -3956,8 +3939,8 @@
         </p:nvSpPr>
         <p:spPr>
           <a:xfrm>
-            <a:off x="1073439" y="35947553"/>
-            <a:ext cx="9423614" cy="954107"/>
+            <a:off x="655991" y="29587949"/>
+            <a:ext cx="5758875" cy="618952"/>
           </a:xfrm>
           <a:prstGeom prst="rect">
             <a:avLst/>
@@ -3972,7 +3955,7 @@
           <a:p>
             <a:pPr algn="ctr"/>
             <a:r>
-              <a:rPr lang="en-US" sz="5600" dirty="0">
+              <a:rPr lang="en-US" sz="3422" dirty="0">
                 <a:solidFill>
                   <a:schemeClr val="bg1"/>
                 </a:solidFill>
@@ -3998,8 +3981,8 @@
         </p:nvGrpSpPr>
         <p:grpSpPr>
           <a:xfrm>
-            <a:off x="1370254" y="35030275"/>
-            <a:ext cx="2581583" cy="2643252"/>
+            <a:off x="837378" y="29027390"/>
+            <a:ext cx="1577634" cy="1615321"/>
             <a:chOff x="1793070" y="39990224"/>
             <a:chExt cx="3979079" cy="3986544"/>
           </a:xfrm>
@@ -4054,7 +4037,7 @@
             <a:lstStyle/>
             <a:p>
               <a:pPr algn="ctr"/>
-              <a:endParaRPr lang="en-US" sz="8467"/>
+              <a:endParaRPr lang="en-US" sz="5174"/>
             </a:p>
           </p:txBody>
         </p:sp>
@@ -4109,8 +4092,8 @@
         </p:nvSpPr>
         <p:spPr>
           <a:xfrm>
-            <a:off x="850578" y="731273"/>
-            <a:ext cx="5446944" cy="2677656"/>
+            <a:off x="401810" y="387894"/>
+            <a:ext cx="3328688" cy="1569660"/>
           </a:xfrm>
           <a:prstGeom prst="rect">
             <a:avLst/>
@@ -4124,7 +4107,7 @@
           <a:lstStyle/>
           <a:p>
             <a:r>
-              <a:rPr lang="en-US" sz="4200" dirty="0">
+              <a:rPr lang="en-US" sz="2400" dirty="0">
                 <a:solidFill>
                   <a:schemeClr val="bg1"/>
                 </a:solidFill>
@@ -4134,12 +4117,12 @@
           </a:p>
           <a:p>
             <a:r>
-              <a:rPr lang="en-US" sz="4200" dirty="0">
+              <a:rPr lang="en-US" sz="2400" dirty="0">
                 <a:solidFill>
                   <a:schemeClr val="bg1"/>
                 </a:solidFill>
               </a:rPr>
-              <a:t>Fall 2024</a:t>
+              <a:t>Fall 2025</a:t>
             </a:r>
           </a:p>
         </p:txBody>
